--- a/AISECjp#9 LT Nobel Prize Dialogue Tokyo 2017.pptx
+++ b/AISECjp#9 LT Nobel Prize Dialogue Tokyo 2017.pptx
@@ -131,7 +131,7 @@
   </p:defaultTextStyle>
   <p:extLst>
     <p:ext uri="{EFAFB233-063F-42B5-8137-9DF3F51BA10A}">
-      <p15:sldGuideLst xmlns="" xmlns:p15="http://schemas.microsoft.com/office/powerpoint/2012/main">
+      <p15:sldGuideLst xmlns:p15="http://schemas.microsoft.com/office/powerpoint/2012/main">
         <p15:guide id="1" pos="3839" userDrawn="1">
           <p15:clr>
             <a:srgbClr val="A4A3A4"/>
@@ -145,7 +145,7 @@
       </p15:sldGuideLst>
     </p:ext>
     <p:ext uri="{2D200454-40CA-4A62-9FC3-DE9A4176ACB9}">
-      <p15:notesGuideLst xmlns="" xmlns:p15="http://schemas.microsoft.com/office/powerpoint/2012/main"/>
+      <p15:notesGuideLst xmlns:p15="http://schemas.microsoft.com/office/powerpoint/2012/main"/>
     </p:ext>
   </p:extLst>
 </p:presentation>
@@ -242,7 +242,7 @@
                 <a:ea typeface="Meiryo UI" panose="020B0604030504040204" pitchFamily="50" charset="-128"/>
               </a:rPr>
               <a:pPr algn="r" rtl="0"/>
-              <a:t>2017/2/27</a:t>
+              <a:t>2017/2/28</a:t>
             </a:fld>
             <a:endParaRPr lang="ja-JP" altLang="en-US" dirty="0">
               <a:latin typeface="Meiryo UI" panose="020B0604030504040204" pitchFamily="50" charset="-128"/>
@@ -429,7 +429,7 @@
             <a:fld id="{BC967B82-94CC-4E13-AEAF-C2B928E6CFD1}" type="datetime1">
               <a:rPr lang="ja-JP" altLang="en-US" smtClean="0"/>
               <a:pPr/>
-              <a:t>2017/2/27</a:t>
+              <a:t>2017/2/28</a:t>
             </a:fld>
             <a:endParaRPr lang="ja-JP" altLang="en-US" dirty="0"/>
           </a:p>
@@ -1234,7 +1234,7 @@
             <a:fld id="{65B10AC6-566F-4C54-8D26-5DE4F3DE0BB8}" type="datetime1">
               <a:rPr lang="ja-JP" altLang="en-US" smtClean="0"/>
               <a:pPr/>
-              <a:t>2017/2/27</a:t>
+              <a:t>2017/2/28</a:t>
             </a:fld>
             <a:endParaRPr lang="ja-JP" altLang="en-US" dirty="0"/>
           </a:p>
@@ -1520,7 +1520,7 @@
             <a:fld id="{A9021A2C-C83A-45C2-98C5-C57F8CA2F49A}" type="datetime1">
               <a:rPr lang="ja-JP" altLang="en-US" smtClean="0"/>
               <a:pPr/>
-              <a:t>2017/2/27</a:t>
+              <a:t>2017/2/28</a:t>
             </a:fld>
             <a:endParaRPr lang="ja-JP" altLang="en-US" dirty="0"/>
           </a:p>
@@ -1799,7 +1799,7 @@
             <a:fld id="{C57B67F7-4C32-4946-8F6A-E73A3F10C930}" type="datetime1">
               <a:rPr lang="ja-JP" altLang="en-US" smtClean="0"/>
               <a:pPr/>
-              <a:t>2017/2/27</a:t>
+              <a:t>2017/2/28</a:t>
             </a:fld>
             <a:endParaRPr lang="ja-JP" altLang="en-US" dirty="0"/>
           </a:p>
@@ -2108,7 +2108,7 @@
             <a:fld id="{5848FF30-FC8C-41CB-9212-070F92F0B7D6}" type="datetime1">
               <a:rPr lang="ja-JP" altLang="en-US" smtClean="0"/>
               <a:pPr/>
-              <a:t>2017/2/27</a:t>
+              <a:t>2017/2/28</a:t>
             </a:fld>
             <a:endParaRPr lang="ja-JP" altLang="en-US" dirty="0"/>
           </a:p>
@@ -2537,7 +2537,7 @@
             <a:fld id="{AC60B4F6-9718-48F8-BFC2-B4C39CD0C582}" type="datetime1">
               <a:rPr lang="ja-JP" altLang="en-US" smtClean="0"/>
               <a:pPr/>
-              <a:t>2017/2/27</a:t>
+              <a:t>2017/2/28</a:t>
             </a:fld>
             <a:endParaRPr lang="ja-JP" altLang="en-US" dirty="0"/>
           </a:p>
@@ -3118,7 +3118,7 @@
             <a:fld id="{3ECF5930-1FBA-47BD-8EB6-1BB6F85E6F3B}" type="datetime1">
               <a:rPr lang="ja-JP" altLang="en-US" smtClean="0"/>
               <a:pPr/>
-              <a:t>2017/2/27</a:t>
+              <a:t>2017/2/28</a:t>
             </a:fld>
             <a:endParaRPr lang="ja-JP" altLang="en-US" dirty="0"/>
           </a:p>
@@ -3279,7 +3279,7 @@
             <a:fld id="{C8802BA2-F20D-4B5F-93FA-1C0B6BF37DBD}" type="datetime1">
               <a:rPr lang="ja-JP" altLang="en-US" smtClean="0"/>
               <a:pPr/>
-              <a:t>2017/2/27</a:t>
+              <a:t>2017/2/28</a:t>
             </a:fld>
             <a:endParaRPr lang="ja-JP" altLang="en-US" dirty="0"/>
           </a:p>
@@ -3417,7 +3417,7 @@
             <a:fld id="{BFD3F50A-132A-4B9F-BB1C-7D34CB3A6423}" type="datetime1">
               <a:rPr lang="ja-JP" altLang="en-US" smtClean="0"/>
               <a:pPr/>
-              <a:t>2017/2/27</a:t>
+              <a:t>2017/2/28</a:t>
             </a:fld>
             <a:endParaRPr lang="ja-JP" altLang="en-US" dirty="0"/>
           </a:p>
@@ -3815,7 +3815,7 @@
             <a:fld id="{3C7A768A-AEEB-4DA1-A54B-4F2A90C47088}" type="datetime1">
               <a:rPr lang="ja-JP" altLang="en-US" smtClean="0"/>
               <a:pPr/>
-              <a:t>2017/2/27</a:t>
+              <a:t>2017/2/28</a:t>
             </a:fld>
             <a:endParaRPr lang="ja-JP" altLang="en-US" dirty="0"/>
           </a:p>
@@ -4159,7 +4159,7 @@
             <a:fld id="{D1A8FE53-1D79-41EA-A12E-893B30F6EEA7}" type="datetime1">
               <a:rPr lang="ja-JP" altLang="en-US" smtClean="0"/>
               <a:pPr/>
-              <a:t>2017/2/27</a:t>
+              <a:t>2017/2/28</a:t>
             </a:fld>
             <a:endParaRPr lang="ja-JP" altLang="en-US" dirty="0"/>
           </a:p>
@@ -4442,7 +4442,7 @@
             <a:fld id="{0697381F-95F4-4816-8A54-B8F76D35A90E}" type="datetime1">
               <a:rPr lang="ja-JP" altLang="en-US" smtClean="0"/>
               <a:pPr/>
-              <a:t>2017/2/27</a:t>
+              <a:t>2017/2/28</a:t>
             </a:fld>
             <a:endParaRPr lang="ja-JP" altLang="en-US" dirty="0"/>
           </a:p>
@@ -4866,7 +4866,7 @@
   </p:txStyles>
   <p:extLst mod="1">
     <p:ext uri="{27BBF7A9-308A-43DC-89C8-2F10F3537804}">
-      <p15:sldGuideLst xmlns="" xmlns:p15="http://schemas.microsoft.com/office/powerpoint/2012/main">
+      <p15:sldGuideLst xmlns:p15="http://schemas.microsoft.com/office/powerpoint/2012/main">
         <p15:guide id="1" pos="3839" userDrawn="1">
           <p15:clr>
             <a:srgbClr val="F26B43"/>
@@ -8196,7 +8196,9 @@
         </p:nvSpPr>
         <p:spPr/>
         <p:txBody>
-          <a:bodyPr rtlCol="0"/>
+          <a:bodyPr rtlCol="0">
+            <a:normAutofit lnSpcReduction="10000"/>
+          </a:bodyPr>
           <a:lstStyle/>
           <a:p>
             <a:r>
@@ -8237,7 +8239,137 @@
           <a:p>
             <a:r>
               <a:rPr lang="ja-JP" altLang="en-US" dirty="0" smtClean="0"/>
-              <a:t>技術者教育，研究開発管理を担当</a:t>
+              <a:t>技術者教育，研究開発管理を</a:t>
+            </a:r>
+            <a:r>
+              <a:rPr lang="ja-JP" altLang="en-US" dirty="0" smtClean="0"/>
+              <a:t>担当</a:t>
+            </a:r>
+            <a:endParaRPr lang="en-US" altLang="ja-JP" dirty="0" smtClean="0"/>
+          </a:p>
+          <a:p>
+            <a:r>
+              <a:rPr lang="en-US" altLang="ja-JP" dirty="0" smtClean="0"/>
+              <a:t>AI</a:t>
+            </a:r>
+            <a:r>
+              <a:rPr lang="ja-JP" altLang="en-US" dirty="0" err="1" smtClean="0"/>
+              <a:t>、</a:t>
+            </a:r>
+            <a:r>
+              <a:rPr lang="ja-JP" altLang="en-US" dirty="0" smtClean="0"/>
+              <a:t>セキュリティとのかかわり</a:t>
+            </a:r>
+            <a:endParaRPr lang="en-US" altLang="ja-JP" dirty="0" smtClean="0"/>
+          </a:p>
+          <a:p>
+            <a:pPr lvl="1"/>
+            <a:r>
+              <a:rPr lang="en-US" altLang="ja-JP" dirty="0" smtClean="0"/>
+              <a:t>1993</a:t>
+            </a:r>
+            <a:r>
+              <a:rPr lang="ja-JP" altLang="en-US" dirty="0" smtClean="0"/>
+              <a:t>頃　</a:t>
+            </a:r>
+            <a:r>
+              <a:rPr lang="en-US" altLang="ja-JP" dirty="0" smtClean="0"/>
+              <a:t>3</a:t>
+            </a:r>
+            <a:r>
+              <a:rPr lang="ja-JP" altLang="en-US" dirty="0" smtClean="0"/>
+              <a:t>層ニューラルネットワークを使ったプラントの異常検知の研究</a:t>
+            </a:r>
+            <a:endParaRPr lang="en-US" altLang="ja-JP" dirty="0" smtClean="0"/>
+          </a:p>
+          <a:p>
+            <a:pPr lvl="1"/>
+            <a:r>
+              <a:rPr lang="en-US" altLang="ja-JP" dirty="0" smtClean="0"/>
+              <a:t>1995</a:t>
+            </a:r>
+            <a:r>
+              <a:rPr lang="ja-JP" altLang="en-US" dirty="0" smtClean="0"/>
+              <a:t>頃　</a:t>
+            </a:r>
+            <a:r>
+              <a:rPr lang="en-US" altLang="ja-JP" dirty="0" smtClean="0"/>
+              <a:t>GA</a:t>
+            </a:r>
+            <a:r>
+              <a:rPr lang="ja-JP" altLang="en-US" dirty="0" smtClean="0"/>
+              <a:t>を使った配管支持具の最適配置の研究</a:t>
+            </a:r>
+            <a:endParaRPr lang="en-US" altLang="ja-JP" dirty="0" smtClean="0"/>
+          </a:p>
+          <a:p>
+            <a:pPr lvl="1"/>
+            <a:r>
+              <a:rPr lang="en-US" altLang="ja-JP" dirty="0" smtClean="0"/>
+              <a:t>2004</a:t>
+            </a:r>
+            <a:r>
+              <a:rPr lang="ja-JP" altLang="en-US" dirty="0" smtClean="0"/>
+              <a:t>頃　社内</a:t>
+            </a:r>
+            <a:r>
+              <a:rPr lang="en-US" altLang="ja-JP" dirty="0" smtClean="0"/>
+              <a:t>ISMS</a:t>
+            </a:r>
+            <a:r>
+              <a:rPr lang="ja-JP" altLang="en-US" dirty="0" smtClean="0"/>
+              <a:t>導入プロジェクトにメンバーとして参加</a:t>
+            </a:r>
+            <a:endParaRPr lang="en-US" altLang="ja-JP" dirty="0" smtClean="0"/>
+          </a:p>
+          <a:p>
+            <a:pPr lvl="1"/>
+            <a:r>
+              <a:rPr lang="en-US" altLang="ja-JP" dirty="0" smtClean="0"/>
+              <a:t>2015</a:t>
+            </a:r>
+            <a:r>
+              <a:rPr lang="ja-JP" altLang="en-US" dirty="0" smtClean="0"/>
+              <a:t>頃　脆弱性診断内製化を目指して</a:t>
+            </a:r>
+            <a:r>
+              <a:rPr lang="en-US" altLang="ja-JP" dirty="0" smtClean="0"/>
+              <a:t>OWASP</a:t>
+            </a:r>
+            <a:r>
+              <a:rPr lang="ja-JP" altLang="en-US" dirty="0" smtClean="0"/>
+              <a:t> </a:t>
+            </a:r>
+            <a:r>
+              <a:rPr lang="en-US" altLang="ja-JP" dirty="0" smtClean="0"/>
+              <a:t>ZAP</a:t>
+            </a:r>
+            <a:r>
+              <a:rPr lang="ja-JP" altLang="en-US" dirty="0" smtClean="0"/>
+              <a:t>を社内評価</a:t>
+            </a:r>
+            <a:endParaRPr lang="en-US" altLang="ja-JP" dirty="0" smtClean="0"/>
+          </a:p>
+          <a:p>
+            <a:r>
+              <a:rPr lang="ja-JP" altLang="en-US" dirty="0" smtClean="0"/>
+              <a:t>資格：</a:t>
+            </a:r>
+            <a:r>
+              <a:rPr lang="en-US" altLang="ja-JP" dirty="0" smtClean="0"/>
+              <a:t>SSCP</a:t>
+            </a:r>
+            <a:r>
+              <a:rPr lang="ja-JP" altLang="en-US" dirty="0" err="1" smtClean="0"/>
+              <a:t>、</a:t>
+            </a:r>
+            <a:r>
+              <a:rPr lang="en-US" altLang="ja-JP" dirty="0" smtClean="0"/>
+              <a:t>IPA</a:t>
+            </a:r>
+            <a:r>
+              <a:rPr lang="ja-JP" altLang="en-US" dirty="0" smtClean="0"/>
+              <a:t>　情報セキュリティスペシャリスト試験</a:t>
             </a:r>
             <a:endParaRPr lang="en-US" altLang="ja-JP" dirty="0" smtClean="0"/>
           </a:p>
@@ -15557,7 +15689,7 @@
   <a:extraClrSchemeLst/>
   <a:extLst>
     <a:ext uri="{05A4C25C-085E-4340-85A3-A5531E510DB2}">
-      <thm15:themeFamily xmlns="" xmlns:thm15="http://schemas.microsoft.com/office/thememl/2012/main" name="Office_9411886_TF02895261_TF02895261" id="{05CA96EC-9039-4BE1-B72D-C3F40BA991BC}" vid="{643CF4FA-6109-407E-A9A6-7229A0C6F279}"/>
+      <thm15:themeFamily xmlns:thm15="http://schemas.microsoft.com/office/thememl/2012/main" name="Office_9411886_TF02895261_TF02895261" id="{05CA96EC-9039-4BE1-B72D-C3F40BA991BC}" vid="{643CF4FA-6109-407E-A9A6-7229A0C6F279}"/>
     </a:ext>
   </a:extLst>
 </a:theme>
@@ -16076,142 +16208,6 @@
 </file>
 
 <file path=customXml/item1.xml><?xml version="1.0" encoding="utf-8"?>
-<p:properties xmlns:p="http://schemas.microsoft.com/office/2006/metadata/properties" xmlns:xsi="http://www.w3.org/2001/XMLSchema-instance" xmlns:pc="http://schemas.microsoft.com/office/infopath/2007/PartnerControls">
-  <documentManagement>
-    <DirectSourceMarket xmlns="4873beb7-5857-4685-be1f-d57550cc96cc" xsi:nil="true"/>
-    <ApprovalStatus xmlns="4873beb7-5857-4685-be1f-d57550cc96cc">InProgress</ApprovalStatus>
-    <MarketSpecific xmlns="4873beb7-5857-4685-be1f-d57550cc96cc">false</MarketSpecific>
-    <LocComments xmlns="4873beb7-5857-4685-be1f-d57550cc96cc" xsi:nil="true"/>
-    <ThumbnailAssetId xmlns="4873beb7-5857-4685-be1f-d57550cc96cc" xsi:nil="true"/>
-    <PrimaryImageGen xmlns="4873beb7-5857-4685-be1f-d57550cc96cc">true</PrimaryImageGen>
-    <LegacyData xmlns="4873beb7-5857-4685-be1f-d57550cc96cc" xsi:nil="true"/>
-    <LocRecommendedHandoff xmlns="4873beb7-5857-4685-be1f-d57550cc96cc" xsi:nil="true"/>
-    <BusinessGroup xmlns="4873beb7-5857-4685-be1f-d57550cc96cc" xsi:nil="true"/>
-    <BlockPublish xmlns="4873beb7-5857-4685-be1f-d57550cc96cc">false</BlockPublish>
-    <TPFriendlyName xmlns="4873beb7-5857-4685-be1f-d57550cc96cc" xsi:nil="true"/>
-    <NumericId xmlns="4873beb7-5857-4685-be1f-d57550cc96cc" xsi:nil="true"/>
-    <APEditor xmlns="4873beb7-5857-4685-be1f-d57550cc96cc">
-      <UserInfo>
-        <DisplayName/>
-        <AccountId xsi:nil="true"/>
-        <AccountType/>
-      </UserInfo>
-    </APEditor>
-    <SourceTitle xmlns="4873beb7-5857-4685-be1f-d57550cc96cc" xsi:nil="true"/>
-    <OpenTemplate xmlns="4873beb7-5857-4685-be1f-d57550cc96cc">true</OpenTemplate>
-    <UALocComments xmlns="4873beb7-5857-4685-be1f-d57550cc96cc" xsi:nil="true"/>
-    <ParentAssetId xmlns="4873beb7-5857-4685-be1f-d57550cc96cc" xsi:nil="true"/>
-    <IntlLangReviewDate xmlns="4873beb7-5857-4685-be1f-d57550cc96cc" xsi:nil="true"/>
-    <FeatureTagsTaxHTField0 xmlns="4873beb7-5857-4685-be1f-d57550cc96cc">
-      <Terms xmlns="http://schemas.microsoft.com/office/infopath/2007/PartnerControls"/>
-    </FeatureTagsTaxHTField0>
-    <PublishStatusLookup xmlns="4873beb7-5857-4685-be1f-d57550cc96cc">
-      <Value>1564227</Value>
-    </PublishStatusLookup>
-    <Providers xmlns="4873beb7-5857-4685-be1f-d57550cc96cc" xsi:nil="true"/>
-    <MachineTranslated xmlns="4873beb7-5857-4685-be1f-d57550cc96cc">false</MachineTranslated>
-    <OriginalSourceMarket xmlns="4873beb7-5857-4685-be1f-d57550cc96cc" xsi:nil="true"/>
-    <APDescription xmlns="4873beb7-5857-4685-be1f-d57550cc96cc">Take your audience through a digital tunnel where they'll  burst through to the other side and see the information you want to present. Show them lists, charts, tables, SmartArt,  and pictures using a variety of layouts in widescreen (16X9) format. This design works well for subjects on science and technology, computers, communication, and more.   
-</APDescription>
-    <ClipArtFilename xmlns="4873beb7-5857-4685-be1f-d57550cc96cc" xsi:nil="true"/>
-    <ContentItem xmlns="4873beb7-5857-4685-be1f-d57550cc96cc" xsi:nil="true"/>
-    <TPInstallLocation xmlns="4873beb7-5857-4685-be1f-d57550cc96cc" xsi:nil="true"/>
-    <PublishTargets xmlns="4873beb7-5857-4685-be1f-d57550cc96cc">OfficeOnlineVNext</PublishTargets>
-    <TimesCloned xmlns="4873beb7-5857-4685-be1f-d57550cc96cc" xsi:nil="true"/>
-    <AssetStart xmlns="4873beb7-5857-4685-be1f-d57550cc96cc">2012-05-11T02:04:00+00:00</AssetStart>
-    <Provider xmlns="4873beb7-5857-4685-be1f-d57550cc96cc" xsi:nil="true"/>
-    <AcquiredFrom xmlns="4873beb7-5857-4685-be1f-d57550cc96cc">Internal MS</AcquiredFrom>
-    <FriendlyTitle xmlns="4873beb7-5857-4685-be1f-d57550cc96cc" xsi:nil="true"/>
-    <LastHandOff xmlns="4873beb7-5857-4685-be1f-d57550cc96cc" xsi:nil="true"/>
-    <TPClientViewer xmlns="4873beb7-5857-4685-be1f-d57550cc96cc" xsi:nil="true"/>
-    <UACurrentWords xmlns="4873beb7-5857-4685-be1f-d57550cc96cc" xsi:nil="true"/>
-    <ArtSampleDocs xmlns="4873beb7-5857-4685-be1f-d57550cc96cc" xsi:nil="true"/>
-    <UALocRecommendation xmlns="4873beb7-5857-4685-be1f-d57550cc96cc">Localize</UALocRecommendation>
-    <Manager xmlns="4873beb7-5857-4685-be1f-d57550cc96cc" xsi:nil="true"/>
-    <ShowIn xmlns="4873beb7-5857-4685-be1f-d57550cc96cc">Show everywhere</ShowIn>
-    <UANotes xmlns="4873beb7-5857-4685-be1f-d57550cc96cc" xsi:nil="true"/>
-    <TemplateStatus xmlns="4873beb7-5857-4685-be1f-d57550cc96cc">Complete</TemplateStatus>
-    <InternalTagsTaxHTField0 xmlns="4873beb7-5857-4685-be1f-d57550cc96cc">
-      <Terms xmlns="http://schemas.microsoft.com/office/infopath/2007/PartnerControls"/>
-    </InternalTagsTaxHTField0>
-    <CSXHash xmlns="4873beb7-5857-4685-be1f-d57550cc96cc" xsi:nil="true"/>
-    <Downloads xmlns="4873beb7-5857-4685-be1f-d57550cc96cc">0</Downloads>
-    <VoteCount xmlns="4873beb7-5857-4685-be1f-d57550cc96cc" xsi:nil="true"/>
-    <OOCacheId xmlns="4873beb7-5857-4685-be1f-d57550cc96cc" xsi:nil="true"/>
-    <IsDeleted xmlns="4873beb7-5857-4685-be1f-d57550cc96cc">false</IsDeleted>
-    <AssetExpire xmlns="4873beb7-5857-4685-be1f-d57550cc96cc">2029-01-01T08:00:00+00:00</AssetExpire>
-    <DSATActionTaken xmlns="4873beb7-5857-4685-be1f-d57550cc96cc" xsi:nil="true"/>
-    <CSXSubmissionMarket xmlns="4873beb7-5857-4685-be1f-d57550cc96cc" xsi:nil="true"/>
-    <TPExecutable xmlns="4873beb7-5857-4685-be1f-d57550cc96cc" xsi:nil="true"/>
-    <SubmitterId xmlns="4873beb7-5857-4685-be1f-d57550cc96cc" xsi:nil="true"/>
-    <EditorialTags xmlns="4873beb7-5857-4685-be1f-d57550cc96cc" xsi:nil="true"/>
-    <ApprovalLog xmlns="4873beb7-5857-4685-be1f-d57550cc96cc" xsi:nil="true"/>
-    <AssetType xmlns="4873beb7-5857-4685-be1f-d57550cc96cc">TP</AssetType>
-    <BugNumber xmlns="4873beb7-5857-4685-be1f-d57550cc96cc" xsi:nil="true"/>
-    <CSXSubmissionDate xmlns="4873beb7-5857-4685-be1f-d57550cc96cc" xsi:nil="true"/>
-    <CSXUpdate xmlns="4873beb7-5857-4685-be1f-d57550cc96cc">false</CSXUpdate>
-    <Milestone xmlns="4873beb7-5857-4685-be1f-d57550cc96cc" xsi:nil="true"/>
-    <RecommendationsModifier xmlns="4873beb7-5857-4685-be1f-d57550cc96cc" xsi:nil="true"/>
-    <OriginAsset xmlns="4873beb7-5857-4685-be1f-d57550cc96cc" xsi:nil="true"/>
-    <TPComponent xmlns="4873beb7-5857-4685-be1f-d57550cc96cc" xsi:nil="true"/>
-    <AssetId xmlns="4873beb7-5857-4685-be1f-d57550cc96cc">TP102895246</AssetId>
-    <IntlLocPriority xmlns="4873beb7-5857-4685-be1f-d57550cc96cc" xsi:nil="true"/>
-    <PolicheckWords xmlns="4873beb7-5857-4685-be1f-d57550cc96cc" xsi:nil="true"/>
-    <TPLaunchHelpLink xmlns="4873beb7-5857-4685-be1f-d57550cc96cc" xsi:nil="true"/>
-    <TPApplication xmlns="4873beb7-5857-4685-be1f-d57550cc96cc" xsi:nil="true"/>
-    <CrawlForDependencies xmlns="4873beb7-5857-4685-be1f-d57550cc96cc">false</CrawlForDependencies>
-    <HandoffToMSDN xmlns="4873beb7-5857-4685-be1f-d57550cc96cc" xsi:nil="true"/>
-    <PlannedPubDate xmlns="4873beb7-5857-4685-be1f-d57550cc96cc" xsi:nil="true"/>
-    <IntlLangReviewer xmlns="4873beb7-5857-4685-be1f-d57550cc96cc" xsi:nil="true"/>
-    <TrustLevel xmlns="4873beb7-5857-4685-be1f-d57550cc96cc">1 Microsoft Managed Content</TrustLevel>
-    <LocLastLocAttemptVersionLookup xmlns="4873beb7-5857-4685-be1f-d57550cc96cc">835483</LocLastLocAttemptVersionLookup>
-    <IsSearchable xmlns="4873beb7-5857-4685-be1f-d57550cc96cc">true</IsSearchable>
-    <TemplateTemplateType xmlns="4873beb7-5857-4685-be1f-d57550cc96cc">PowerPoint Presentation Template</TemplateTemplateType>
-    <CampaignTagsTaxHTField0 xmlns="4873beb7-5857-4685-be1f-d57550cc96cc">
-      <Terms xmlns="http://schemas.microsoft.com/office/infopath/2007/PartnerControls"/>
-    </CampaignTagsTaxHTField0>
-    <TPNamespace xmlns="4873beb7-5857-4685-be1f-d57550cc96cc" xsi:nil="true"/>
-    <TaxCatchAll xmlns="4873beb7-5857-4685-be1f-d57550cc96cc"/>
-    <Markets xmlns="4873beb7-5857-4685-be1f-d57550cc96cc"/>
-    <UAProjectedTotalWords xmlns="4873beb7-5857-4685-be1f-d57550cc96cc" xsi:nil="true"/>
-    <IntlLangReview xmlns="4873beb7-5857-4685-be1f-d57550cc96cc">false</IntlLangReview>
-    <OutputCachingOn xmlns="4873beb7-5857-4685-be1f-d57550cc96cc">false</OutputCachingOn>
-    <AverageRating xmlns="4873beb7-5857-4685-be1f-d57550cc96cc" xsi:nil="true"/>
-    <APAuthor xmlns="4873beb7-5857-4685-be1f-d57550cc96cc">
-      <UserInfo>
-        <DisplayName>REDMOND\v-vaddu</DisplayName>
-        <AccountId>2567</AccountId>
-        <AccountType/>
-      </UserInfo>
-    </APAuthor>
-    <LocManualTestRequired xmlns="4873beb7-5857-4685-be1f-d57550cc96cc">false</LocManualTestRequired>
-    <TPCommandLine xmlns="4873beb7-5857-4685-be1f-d57550cc96cc" xsi:nil="true"/>
-    <TPAppVersion xmlns="4873beb7-5857-4685-be1f-d57550cc96cc" xsi:nil="true"/>
-    <EditorialStatus xmlns="4873beb7-5857-4685-be1f-d57550cc96cc">Complete</EditorialStatus>
-    <LastModifiedDateTime xmlns="4873beb7-5857-4685-be1f-d57550cc96cc" xsi:nil="true"/>
-    <ScenarioTagsTaxHTField0 xmlns="4873beb7-5857-4685-be1f-d57550cc96cc">
-      <Terms xmlns="http://schemas.microsoft.com/office/infopath/2007/PartnerControls"/>
-    </ScenarioTagsTaxHTField0>
-    <OriginalRelease xmlns="4873beb7-5857-4685-be1f-d57550cc96cc">15</OriginalRelease>
-    <TPLaunchHelpLinkType xmlns="4873beb7-5857-4685-be1f-d57550cc96cc">Template</TPLaunchHelpLinkType>
-    <LocalizationTagsTaxHTField0 xmlns="4873beb7-5857-4685-be1f-d57550cc96cc">
-      <Terms xmlns="http://schemas.microsoft.com/office/infopath/2007/PartnerControls"/>
-    </LocalizationTagsTaxHTField0>
-    <LocMarketGroupTiers2 xmlns="4873beb7-5857-4685-be1f-d57550cc96cc" xsi:nil="true"/>
-  </documentManagement>
-</p:properties>
-</file>
-
-<file path=customXml/item2.xml><?xml version="1.0" encoding="utf-8"?>
-<?mso-contentType ?>
-<FormTemplates xmlns="http://schemas.microsoft.com/sharepoint/v3/contenttype/forms">
-  <Display>DocumentLibraryForm</Display>
-  <Edit>AssetEditForm</Edit>
-  <New>DocumentLibraryForm</New>
-</FormTemplates>
-</file>
-
-<file path=customXml/item3.xml><?xml version="1.0" encoding="utf-8"?>
 <ct:contentTypeSchema xmlns:ct="http://schemas.microsoft.com/office/2006/metadata/contentType" xmlns:ma="http://schemas.microsoft.com/office/2006/metadata/properties/metaAttributes" ct:_="" ma:_="" ma:contentTypeName="TemplateFile" ma:contentTypeID="0x0101006EDDDB5EE6D98C44930B742096920B300400F5B6D36B3EF94B4E9A635CDF2A18F5B8" ma:contentTypeVersion="72" ma:contentTypeDescription="Create a new document." ma:contentTypeScope="" ma:versionID="a23e56308344d904b51738559c3d67c9">
   <xsd:schema xmlns:xsd="http://www.w3.org/2001/XMLSchema" xmlns:xs="http://www.w3.org/2001/XMLSchema" xmlns:p="http://schemas.microsoft.com/office/2006/metadata/properties" xmlns:ns2="4873beb7-5857-4685-be1f-d57550cc96cc" targetNamespace="http://schemas.microsoft.com/office/2006/metadata/properties" ma:root="true" ma:fieldsID="cd0908cc4600e77bf5da051303e00c8d" ns2:_="">
     <xsd:import namespace="4873beb7-5857-4685-be1f-d57550cc96cc"/>
@@ -17251,25 +17247,143 @@
 </ct:contentTypeSchema>
 </file>
 
-<file path=customXml/itemProps1.xml><?xml version="1.0" encoding="utf-8"?>
-<ds:datastoreItem xmlns:ds="http://schemas.openxmlformats.org/officeDocument/2006/customXml" ds:itemID="{00E41224-0370-4595-877C-23316CD80004}">
-  <ds:schemaRefs>
-    <ds:schemaRef ds:uri="http://schemas.microsoft.com/office/2006/metadata/properties"/>
-    <ds:schemaRef ds:uri="http://schemas.microsoft.com/office/infopath/2007/PartnerControls"/>
-    <ds:schemaRef ds:uri="4873beb7-5857-4685-be1f-d57550cc96cc"/>
-  </ds:schemaRefs>
-</ds:datastoreItem>
+<file path=customXml/item2.xml><?xml version="1.0" encoding="utf-8"?>
+<?mso-contentType ?>
+<FormTemplates xmlns="http://schemas.microsoft.com/sharepoint/v3/contenttype/forms">
+  <Display>DocumentLibraryForm</Display>
+  <Edit>AssetEditForm</Edit>
+  <New>DocumentLibraryForm</New>
+</FormTemplates>
 </file>
 
-<file path=customXml/itemProps2.xml><?xml version="1.0" encoding="utf-8"?>
-<ds:datastoreItem xmlns:ds="http://schemas.openxmlformats.org/officeDocument/2006/customXml" ds:itemID="{74228E6B-D70C-44BB-A81F-A245495F612B}">
-  <ds:schemaRefs>
-    <ds:schemaRef ds:uri="http://schemas.microsoft.com/sharepoint/v3/contenttype/forms"/>
-  </ds:schemaRefs>
-</ds:datastoreItem>
+<file path=customXml/item3.xml><?xml version="1.0" encoding="utf-8"?>
+<p:properties xmlns:p="http://schemas.microsoft.com/office/2006/metadata/properties" xmlns:xsi="http://www.w3.org/2001/XMLSchema-instance" xmlns:pc="http://schemas.microsoft.com/office/infopath/2007/PartnerControls">
+  <documentManagement>
+    <DirectSourceMarket xmlns="4873beb7-5857-4685-be1f-d57550cc96cc" xsi:nil="true"/>
+    <ApprovalStatus xmlns="4873beb7-5857-4685-be1f-d57550cc96cc">InProgress</ApprovalStatus>
+    <MarketSpecific xmlns="4873beb7-5857-4685-be1f-d57550cc96cc">false</MarketSpecific>
+    <LocComments xmlns="4873beb7-5857-4685-be1f-d57550cc96cc" xsi:nil="true"/>
+    <ThumbnailAssetId xmlns="4873beb7-5857-4685-be1f-d57550cc96cc" xsi:nil="true"/>
+    <PrimaryImageGen xmlns="4873beb7-5857-4685-be1f-d57550cc96cc">true</PrimaryImageGen>
+    <LegacyData xmlns="4873beb7-5857-4685-be1f-d57550cc96cc" xsi:nil="true"/>
+    <LocRecommendedHandoff xmlns="4873beb7-5857-4685-be1f-d57550cc96cc" xsi:nil="true"/>
+    <BusinessGroup xmlns="4873beb7-5857-4685-be1f-d57550cc96cc" xsi:nil="true"/>
+    <BlockPublish xmlns="4873beb7-5857-4685-be1f-d57550cc96cc">false</BlockPublish>
+    <TPFriendlyName xmlns="4873beb7-5857-4685-be1f-d57550cc96cc" xsi:nil="true"/>
+    <NumericId xmlns="4873beb7-5857-4685-be1f-d57550cc96cc" xsi:nil="true"/>
+    <APEditor xmlns="4873beb7-5857-4685-be1f-d57550cc96cc">
+      <UserInfo>
+        <DisplayName/>
+        <AccountId xsi:nil="true"/>
+        <AccountType/>
+      </UserInfo>
+    </APEditor>
+    <SourceTitle xmlns="4873beb7-5857-4685-be1f-d57550cc96cc" xsi:nil="true"/>
+    <OpenTemplate xmlns="4873beb7-5857-4685-be1f-d57550cc96cc">true</OpenTemplate>
+    <UALocComments xmlns="4873beb7-5857-4685-be1f-d57550cc96cc" xsi:nil="true"/>
+    <ParentAssetId xmlns="4873beb7-5857-4685-be1f-d57550cc96cc" xsi:nil="true"/>
+    <IntlLangReviewDate xmlns="4873beb7-5857-4685-be1f-d57550cc96cc" xsi:nil="true"/>
+    <FeatureTagsTaxHTField0 xmlns="4873beb7-5857-4685-be1f-d57550cc96cc">
+      <Terms xmlns="http://schemas.microsoft.com/office/infopath/2007/PartnerControls"/>
+    </FeatureTagsTaxHTField0>
+    <PublishStatusLookup xmlns="4873beb7-5857-4685-be1f-d57550cc96cc">
+      <Value>1564227</Value>
+    </PublishStatusLookup>
+    <Providers xmlns="4873beb7-5857-4685-be1f-d57550cc96cc" xsi:nil="true"/>
+    <MachineTranslated xmlns="4873beb7-5857-4685-be1f-d57550cc96cc">false</MachineTranslated>
+    <OriginalSourceMarket xmlns="4873beb7-5857-4685-be1f-d57550cc96cc" xsi:nil="true"/>
+    <APDescription xmlns="4873beb7-5857-4685-be1f-d57550cc96cc">Take your audience through a digital tunnel where they'll  burst through to the other side and see the information you want to present. Show them lists, charts, tables, SmartArt,  and pictures using a variety of layouts in widescreen (16X9) format. This design works well for subjects on science and technology, computers, communication, and more.   
+</APDescription>
+    <ClipArtFilename xmlns="4873beb7-5857-4685-be1f-d57550cc96cc" xsi:nil="true"/>
+    <ContentItem xmlns="4873beb7-5857-4685-be1f-d57550cc96cc" xsi:nil="true"/>
+    <TPInstallLocation xmlns="4873beb7-5857-4685-be1f-d57550cc96cc" xsi:nil="true"/>
+    <PublishTargets xmlns="4873beb7-5857-4685-be1f-d57550cc96cc">OfficeOnlineVNext</PublishTargets>
+    <TimesCloned xmlns="4873beb7-5857-4685-be1f-d57550cc96cc" xsi:nil="true"/>
+    <AssetStart xmlns="4873beb7-5857-4685-be1f-d57550cc96cc">2012-05-11T02:04:00+00:00</AssetStart>
+    <Provider xmlns="4873beb7-5857-4685-be1f-d57550cc96cc" xsi:nil="true"/>
+    <AcquiredFrom xmlns="4873beb7-5857-4685-be1f-d57550cc96cc">Internal MS</AcquiredFrom>
+    <FriendlyTitle xmlns="4873beb7-5857-4685-be1f-d57550cc96cc" xsi:nil="true"/>
+    <LastHandOff xmlns="4873beb7-5857-4685-be1f-d57550cc96cc" xsi:nil="true"/>
+    <TPClientViewer xmlns="4873beb7-5857-4685-be1f-d57550cc96cc" xsi:nil="true"/>
+    <UACurrentWords xmlns="4873beb7-5857-4685-be1f-d57550cc96cc" xsi:nil="true"/>
+    <ArtSampleDocs xmlns="4873beb7-5857-4685-be1f-d57550cc96cc" xsi:nil="true"/>
+    <UALocRecommendation xmlns="4873beb7-5857-4685-be1f-d57550cc96cc">Localize</UALocRecommendation>
+    <Manager xmlns="4873beb7-5857-4685-be1f-d57550cc96cc" xsi:nil="true"/>
+    <ShowIn xmlns="4873beb7-5857-4685-be1f-d57550cc96cc">Show everywhere</ShowIn>
+    <UANotes xmlns="4873beb7-5857-4685-be1f-d57550cc96cc" xsi:nil="true"/>
+    <TemplateStatus xmlns="4873beb7-5857-4685-be1f-d57550cc96cc">Complete</TemplateStatus>
+    <InternalTagsTaxHTField0 xmlns="4873beb7-5857-4685-be1f-d57550cc96cc">
+      <Terms xmlns="http://schemas.microsoft.com/office/infopath/2007/PartnerControls"/>
+    </InternalTagsTaxHTField0>
+    <CSXHash xmlns="4873beb7-5857-4685-be1f-d57550cc96cc" xsi:nil="true"/>
+    <Downloads xmlns="4873beb7-5857-4685-be1f-d57550cc96cc">0</Downloads>
+    <VoteCount xmlns="4873beb7-5857-4685-be1f-d57550cc96cc" xsi:nil="true"/>
+    <OOCacheId xmlns="4873beb7-5857-4685-be1f-d57550cc96cc" xsi:nil="true"/>
+    <IsDeleted xmlns="4873beb7-5857-4685-be1f-d57550cc96cc">false</IsDeleted>
+    <AssetExpire xmlns="4873beb7-5857-4685-be1f-d57550cc96cc">2029-01-01T08:00:00+00:00</AssetExpire>
+    <DSATActionTaken xmlns="4873beb7-5857-4685-be1f-d57550cc96cc" xsi:nil="true"/>
+    <CSXSubmissionMarket xmlns="4873beb7-5857-4685-be1f-d57550cc96cc" xsi:nil="true"/>
+    <TPExecutable xmlns="4873beb7-5857-4685-be1f-d57550cc96cc" xsi:nil="true"/>
+    <SubmitterId xmlns="4873beb7-5857-4685-be1f-d57550cc96cc" xsi:nil="true"/>
+    <EditorialTags xmlns="4873beb7-5857-4685-be1f-d57550cc96cc" xsi:nil="true"/>
+    <ApprovalLog xmlns="4873beb7-5857-4685-be1f-d57550cc96cc" xsi:nil="true"/>
+    <AssetType xmlns="4873beb7-5857-4685-be1f-d57550cc96cc">TP</AssetType>
+    <BugNumber xmlns="4873beb7-5857-4685-be1f-d57550cc96cc" xsi:nil="true"/>
+    <CSXSubmissionDate xmlns="4873beb7-5857-4685-be1f-d57550cc96cc" xsi:nil="true"/>
+    <CSXUpdate xmlns="4873beb7-5857-4685-be1f-d57550cc96cc">false</CSXUpdate>
+    <Milestone xmlns="4873beb7-5857-4685-be1f-d57550cc96cc" xsi:nil="true"/>
+    <RecommendationsModifier xmlns="4873beb7-5857-4685-be1f-d57550cc96cc" xsi:nil="true"/>
+    <OriginAsset xmlns="4873beb7-5857-4685-be1f-d57550cc96cc" xsi:nil="true"/>
+    <TPComponent xmlns="4873beb7-5857-4685-be1f-d57550cc96cc" xsi:nil="true"/>
+    <AssetId xmlns="4873beb7-5857-4685-be1f-d57550cc96cc">TP102895246</AssetId>
+    <IntlLocPriority xmlns="4873beb7-5857-4685-be1f-d57550cc96cc" xsi:nil="true"/>
+    <PolicheckWords xmlns="4873beb7-5857-4685-be1f-d57550cc96cc" xsi:nil="true"/>
+    <TPLaunchHelpLink xmlns="4873beb7-5857-4685-be1f-d57550cc96cc" xsi:nil="true"/>
+    <TPApplication xmlns="4873beb7-5857-4685-be1f-d57550cc96cc" xsi:nil="true"/>
+    <CrawlForDependencies xmlns="4873beb7-5857-4685-be1f-d57550cc96cc">false</CrawlForDependencies>
+    <HandoffToMSDN xmlns="4873beb7-5857-4685-be1f-d57550cc96cc" xsi:nil="true"/>
+    <PlannedPubDate xmlns="4873beb7-5857-4685-be1f-d57550cc96cc" xsi:nil="true"/>
+    <IntlLangReviewer xmlns="4873beb7-5857-4685-be1f-d57550cc96cc" xsi:nil="true"/>
+    <TrustLevel xmlns="4873beb7-5857-4685-be1f-d57550cc96cc">1 Microsoft Managed Content</TrustLevel>
+    <LocLastLocAttemptVersionLookup xmlns="4873beb7-5857-4685-be1f-d57550cc96cc">835483</LocLastLocAttemptVersionLookup>
+    <IsSearchable xmlns="4873beb7-5857-4685-be1f-d57550cc96cc">true</IsSearchable>
+    <TemplateTemplateType xmlns="4873beb7-5857-4685-be1f-d57550cc96cc">PowerPoint Presentation Template</TemplateTemplateType>
+    <CampaignTagsTaxHTField0 xmlns="4873beb7-5857-4685-be1f-d57550cc96cc">
+      <Terms xmlns="http://schemas.microsoft.com/office/infopath/2007/PartnerControls"/>
+    </CampaignTagsTaxHTField0>
+    <TPNamespace xmlns="4873beb7-5857-4685-be1f-d57550cc96cc" xsi:nil="true"/>
+    <TaxCatchAll xmlns="4873beb7-5857-4685-be1f-d57550cc96cc"/>
+    <Markets xmlns="4873beb7-5857-4685-be1f-d57550cc96cc"/>
+    <UAProjectedTotalWords xmlns="4873beb7-5857-4685-be1f-d57550cc96cc" xsi:nil="true"/>
+    <IntlLangReview xmlns="4873beb7-5857-4685-be1f-d57550cc96cc">false</IntlLangReview>
+    <OutputCachingOn xmlns="4873beb7-5857-4685-be1f-d57550cc96cc">false</OutputCachingOn>
+    <AverageRating xmlns="4873beb7-5857-4685-be1f-d57550cc96cc" xsi:nil="true"/>
+    <APAuthor xmlns="4873beb7-5857-4685-be1f-d57550cc96cc">
+      <UserInfo>
+        <DisplayName>REDMOND\v-vaddu</DisplayName>
+        <AccountId>2567</AccountId>
+        <AccountType/>
+      </UserInfo>
+    </APAuthor>
+    <LocManualTestRequired xmlns="4873beb7-5857-4685-be1f-d57550cc96cc">false</LocManualTestRequired>
+    <TPCommandLine xmlns="4873beb7-5857-4685-be1f-d57550cc96cc" xsi:nil="true"/>
+    <TPAppVersion xmlns="4873beb7-5857-4685-be1f-d57550cc96cc" xsi:nil="true"/>
+    <EditorialStatus xmlns="4873beb7-5857-4685-be1f-d57550cc96cc">Complete</EditorialStatus>
+    <LastModifiedDateTime xmlns="4873beb7-5857-4685-be1f-d57550cc96cc" xsi:nil="true"/>
+    <ScenarioTagsTaxHTField0 xmlns="4873beb7-5857-4685-be1f-d57550cc96cc">
+      <Terms xmlns="http://schemas.microsoft.com/office/infopath/2007/PartnerControls"/>
+    </ScenarioTagsTaxHTField0>
+    <OriginalRelease xmlns="4873beb7-5857-4685-be1f-d57550cc96cc">15</OriginalRelease>
+    <TPLaunchHelpLinkType xmlns="4873beb7-5857-4685-be1f-d57550cc96cc">Template</TPLaunchHelpLinkType>
+    <LocalizationTagsTaxHTField0 xmlns="4873beb7-5857-4685-be1f-d57550cc96cc">
+      <Terms xmlns="http://schemas.microsoft.com/office/infopath/2007/PartnerControls"/>
+    </LocalizationTagsTaxHTField0>
+    <LocMarketGroupTiers2 xmlns="4873beb7-5857-4685-be1f-d57550cc96cc" xsi:nil="true"/>
+  </documentManagement>
+</p:properties>
 </file>
 
-<file path=customXml/itemProps3.xml><?xml version="1.0" encoding="utf-8"?>
+<file path=customXml/itemProps1.xml><?xml version="1.0" encoding="utf-8"?>
 <ds:datastoreItem xmlns:ds="http://schemas.openxmlformats.org/officeDocument/2006/customXml" ds:itemID="{22CCB507-0646-4A50-A4F7-7F385079D589}">
   <ds:schemaRefs>
     <ds:schemaRef ds:uri="http://schemas.microsoft.com/office/2006/metadata/contentType"/>
@@ -17285,4 +17399,22 @@
     <ds:schemaRef ds:uri="http://schemas.microsoft.com/internal/obd"/>
   </ds:schemaRefs>
 </ds:datastoreItem>
+</file>
+
+<file path=customXml/itemProps2.xml><?xml version="1.0" encoding="utf-8"?>
+<ds:datastoreItem xmlns:ds="http://schemas.openxmlformats.org/officeDocument/2006/customXml" ds:itemID="{74228E6B-D70C-44BB-A81F-A245495F612B}">
+  <ds:schemaRefs>
+    <ds:schemaRef ds:uri="http://schemas.microsoft.com/sharepoint/v3/contenttype/forms"/>
+  </ds:schemaRefs>
+</ds:datastoreItem>
+</file>
+
+<file path=customXml/itemProps3.xml><?xml version="1.0" encoding="utf-8"?>
+<ds:datastoreItem xmlns:ds="http://schemas.openxmlformats.org/officeDocument/2006/customXml" ds:itemID="{00E41224-0370-4595-877C-23316CD80004}">
+  <ds:schemaRefs>
+    <ds:schemaRef ds:uri="http://schemas.microsoft.com/office/2006/metadata/properties"/>
+    <ds:schemaRef ds:uri="http://schemas.microsoft.com/office/infopath/2007/PartnerControls"/>
+    <ds:schemaRef ds:uri="4873beb7-5857-4685-be1f-d57550cc96cc"/>
+  </ds:schemaRefs>
+</ds:datastoreItem>
 </file>